--- a/materials/slides-114-ccamp-optical-cloud.pptx
+++ b/materials/slides-114-ccamp-optical-cloud.pptx
@@ -5,7 +5,7 @@
     <p:sldMasterId id="2147483648" r:id="rId1"/>
   </p:sldMasterIdLst>
   <p:notesMasterIdLst>
-    <p:notesMasterId r:id="rId12"/>
+    <p:notesMasterId r:id="rId13"/>
   </p:notesMasterIdLst>
   <p:sldIdLst>
     <p:sldId id="256" r:id="rId2"/>
@@ -18,6 +18,7 @@
     <p:sldId id="304" r:id="rId9"/>
     <p:sldId id="306" r:id="rId10"/>
     <p:sldId id="302" r:id="rId11"/>
+    <p:sldId id="273" r:id="rId12"/>
   </p:sldIdLst>
   <p:sldSz cx="9144000" cy="6858000" type="screen4x3"/>
   <p:notesSz cx="6858000" cy="9144000"/>
@@ -237,7 +238,7 @@
             <a:fld id="{8BA012A1-740E-4F05-9FEE-99F23BBBCA45}" type="datetimeFigureOut">
               <a:rPr lang="zh-CN" altLang="en-US" smtClean="0"/>
               <a:pPr/>
-              <a:t>2022/7/18</a:t>
+              <a:t>2022/7/20</a:t>
             </a:fld>
             <a:endParaRPr lang="zh-CN" altLang="en-US"/>
           </a:p>
@@ -685,7 +686,7 @@
             <a:fld id="{1D8BD707-D9CF-40AE-B4C6-C98DA3205C09}" type="datetimeFigureOut">
               <a:rPr lang="en-US" smtClean="0"/>
               <a:pPr/>
-              <a:t>7/18/2022</a:t>
+              <a:t>7/20/2022</a:t>
             </a:fld>
             <a:endParaRPr lang="en-US"/>
           </a:p>
@@ -850,7 +851,7 @@
             <a:fld id="{1D8BD707-D9CF-40AE-B4C6-C98DA3205C09}" type="datetimeFigureOut">
               <a:rPr lang="en-US" smtClean="0"/>
               <a:pPr/>
-              <a:t>7/18/2022</a:t>
+              <a:t>7/20/2022</a:t>
             </a:fld>
             <a:endParaRPr lang="en-US"/>
           </a:p>
@@ -1025,7 +1026,7 @@
             <a:fld id="{1D8BD707-D9CF-40AE-B4C6-C98DA3205C09}" type="datetimeFigureOut">
               <a:rPr lang="en-US" smtClean="0"/>
               <a:pPr/>
-              <a:t>7/18/2022</a:t>
+              <a:t>7/20/2022</a:t>
             </a:fld>
             <a:endParaRPr lang="en-US"/>
           </a:p>
@@ -1190,7 +1191,7 @@
             <a:fld id="{1D8BD707-D9CF-40AE-B4C6-C98DA3205C09}" type="datetimeFigureOut">
               <a:rPr lang="en-US" smtClean="0"/>
               <a:pPr/>
-              <a:t>7/18/2022</a:t>
+              <a:t>7/20/2022</a:t>
             </a:fld>
             <a:endParaRPr lang="en-US"/>
           </a:p>
@@ -1432,7 +1433,7 @@
             <a:fld id="{1D8BD707-D9CF-40AE-B4C6-C98DA3205C09}" type="datetimeFigureOut">
               <a:rPr lang="en-US" smtClean="0"/>
               <a:pPr/>
-              <a:t>7/18/2022</a:t>
+              <a:t>7/20/2022</a:t>
             </a:fld>
             <a:endParaRPr lang="en-US"/>
           </a:p>
@@ -1714,7 +1715,7 @@
             <a:fld id="{1D8BD707-D9CF-40AE-B4C6-C98DA3205C09}" type="datetimeFigureOut">
               <a:rPr lang="en-US" smtClean="0"/>
               <a:pPr/>
-              <a:t>7/18/2022</a:t>
+              <a:t>7/20/2022</a:t>
             </a:fld>
             <a:endParaRPr lang="en-US"/>
           </a:p>
@@ -2130,7 +2131,7 @@
             <a:fld id="{1D8BD707-D9CF-40AE-B4C6-C98DA3205C09}" type="datetimeFigureOut">
               <a:rPr lang="en-US" smtClean="0"/>
               <a:pPr/>
-              <a:t>7/18/2022</a:t>
+              <a:t>7/20/2022</a:t>
             </a:fld>
             <a:endParaRPr lang="en-US"/>
           </a:p>
@@ -2244,7 +2245,7 @@
             <a:fld id="{1D8BD707-D9CF-40AE-B4C6-C98DA3205C09}" type="datetimeFigureOut">
               <a:rPr lang="en-US" smtClean="0"/>
               <a:pPr/>
-              <a:t>7/18/2022</a:t>
+              <a:t>7/20/2022</a:t>
             </a:fld>
             <a:endParaRPr lang="en-US"/>
           </a:p>
@@ -2336,7 +2337,7 @@
             <a:fld id="{1D8BD707-D9CF-40AE-B4C6-C98DA3205C09}" type="datetimeFigureOut">
               <a:rPr lang="en-US" smtClean="0"/>
               <a:pPr/>
-              <a:t>7/18/2022</a:t>
+              <a:t>7/20/2022</a:t>
             </a:fld>
             <a:endParaRPr lang="en-US"/>
           </a:p>
@@ -2608,7 +2609,7 @@
             <a:fld id="{1D8BD707-D9CF-40AE-B4C6-C98DA3205C09}" type="datetimeFigureOut">
               <a:rPr lang="en-US" smtClean="0"/>
               <a:pPr/>
-              <a:t>7/18/2022</a:t>
+              <a:t>7/20/2022</a:t>
             </a:fld>
             <a:endParaRPr lang="en-US"/>
           </a:p>
@@ -2857,7 +2858,7 @@
             <a:fld id="{1D8BD707-D9CF-40AE-B4C6-C98DA3205C09}" type="datetimeFigureOut">
               <a:rPr lang="en-US" smtClean="0"/>
               <a:pPr/>
-              <a:t>7/18/2022</a:t>
+              <a:t>7/20/2022</a:t>
             </a:fld>
             <a:endParaRPr lang="en-US"/>
           </a:p>
@@ -3065,7 +3066,7 @@
             <a:fld id="{1D8BD707-D9CF-40AE-B4C6-C98DA3205C09}" type="datetimeFigureOut">
               <a:rPr lang="en-US" smtClean="0"/>
               <a:pPr/>
-              <a:t>7/18/2022</a:t>
+              <a:t>7/20/2022</a:t>
             </a:fld>
             <a:endParaRPr lang="en-US"/>
           </a:p>
@@ -3960,7 +3961,7 @@
           <a:p>
             <a:r>
               <a:rPr lang="en-US" altLang="zh-CN" dirty="0"/>
-              <a:t>Transition the document into a framework document; prepare for WG adoption</a:t>
+              <a:t>Integrate framework into this draft and prepare for WG adoption</a:t>
             </a:r>
           </a:p>
           <a:p>
@@ -3987,6 +3988,80 @@
     <p:extLst>
       <p:ext uri="{BB962C8B-B14F-4D97-AF65-F5344CB8AC3E}">
         <p14:creationId xmlns:p14="http://schemas.microsoft.com/office/powerpoint/2010/main" val="1538780863"/>
+      </p:ext>
+    </p:extLst>
+  </p:cSld>
+  <p:clrMapOvr>
+    <a:masterClrMapping/>
+  </p:clrMapOvr>
+</p:sld>
+</file>
+
+<file path=ppt/slides/slide11.xml><?xml version="1.0" encoding="utf-8"?>
+<p:sld xmlns:a="http://schemas.openxmlformats.org/drawingml/2006/main" xmlns:r="http://schemas.openxmlformats.org/officeDocument/2006/relationships" xmlns:p="http://schemas.openxmlformats.org/presentationml/2006/main">
+  <p:cSld>
+    <p:spTree>
+      <p:nvGrpSpPr>
+        <p:cNvPr id="1" name=""/>
+        <p:cNvGrpSpPr/>
+        <p:nvPr/>
+      </p:nvGrpSpPr>
+      <p:grpSpPr>
+        <a:xfrm>
+          <a:off x="0" y="0"/>
+          <a:ext cx="0" cy="0"/>
+          <a:chOff x="0" y="0"/>
+          <a:chExt cx="0" cy="0"/>
+        </a:xfrm>
+      </p:grpSpPr>
+      <p:sp>
+        <p:nvSpPr>
+          <p:cNvPr id="4" name="标题 4"/>
+          <p:cNvSpPr txBox="1"/>
+          <p:nvPr/>
+        </p:nvSpPr>
+        <p:spPr>
+          <a:xfrm>
+            <a:off x="1476893" y="2359169"/>
+            <a:ext cx="6172200" cy="857250"/>
+          </a:xfrm>
+          <a:prstGeom prst="rect">
+            <a:avLst/>
+          </a:prstGeom>
+        </p:spPr>
+        <p:txBody>
+          <a:bodyPr vert="horz" lIns="68580" tIns="34290" rIns="68580" bIns="34290" rtlCol="0" anchor="ctr">
+            <a:normAutofit/>
+          </a:bodyPr>
+          <a:lstStyle>
+            <a:lvl1pPr algn="ctr" defTabSz="914400" rtl="0" eaLnBrk="1" latinLnBrk="0" hangingPunct="1">
+              <a:spcBef>
+                <a:spcPct val="0"/>
+              </a:spcBef>
+              <a:buNone/>
+              <a:defRPr sz="4400" kern="1200">
+                <a:solidFill>
+                  <a:schemeClr val="tx1"/>
+                </a:solidFill>
+                <a:latin typeface="+mj-lt"/>
+                <a:ea typeface="+mj-ea"/>
+                <a:cs typeface="+mj-cs"/>
+              </a:defRPr>
+            </a:lvl1pPr>
+          </a:lstStyle>
+          <a:p>
+            <a:r>
+              <a:rPr lang="en-US" altLang="zh-CN" sz="3300" dirty="0"/>
+              <a:t>Thank You!</a:t>
+            </a:r>
+            <a:endParaRPr lang="zh-CN" altLang="en-US" sz="3300" dirty="0"/>
+          </a:p>
+        </p:txBody>
+      </p:sp>
+    </p:spTree>
+    <p:extLst>
+      <p:ext uri="{BB962C8B-B14F-4D97-AF65-F5344CB8AC3E}">
+        <p14:creationId xmlns:p14="http://schemas.microsoft.com/office/powerpoint/2010/main" val="1170454124"/>
       </p:ext>
     </p:extLst>
   </p:cSld>
@@ -4113,7 +4188,7 @@
           <a:p>
             <a:r>
               <a:rPr lang="en-US" dirty="0"/>
-              <a:t>Control plane needs extensions to support service-aware OTN networks</a:t>
+              <a:t>Control plane needs extensions to support service-driven OTN networks</a:t>
             </a:r>
           </a:p>
         </p:txBody>
@@ -4440,7 +4515,7 @@
             <a:pPr algn="l"/>
             <a:r>
               <a:rPr lang="en-US" altLang="zh-CN" dirty="0"/>
-              <a:t>Requirement – Service Awareness</a:t>
+              <a:t>Requirement – Service-Driven OTN</a:t>
             </a:r>
             <a:endParaRPr lang="zh-CN" altLang="en-US" dirty="0"/>
           </a:p>
@@ -4492,7 +4567,7 @@
           <a:p>
             <a:r>
               <a:rPr lang="en-US" dirty="0"/>
-              <a:t>Traditionally OTN is non-service aware</a:t>
+              <a:t>Traditionally OTN is not service driven</a:t>
             </a:r>
           </a:p>
           <a:p>
@@ -4515,7 +4590,7 @@
           <a:p>
             <a:r>
               <a:rPr lang="en-US" dirty="0"/>
-              <a:t>New capabilities are introduced to OTN networks to be service aware</a:t>
+              <a:t>New capabilities are introduced to OTN networks to make it service driven</a:t>
             </a:r>
           </a:p>
           <a:p>
@@ -4543,7 +4618,7 @@
             <a:pPr lvl="1"/>
             <a:r>
               <a:rPr lang="en-US" dirty="0"/>
-              <a:t>Capability to disseminate such information to the control entity to make intelligent decisions</a:t>
+              <a:t>Capability to distribute service information to the control entity to make intelligent decisions</a:t>
             </a:r>
           </a:p>
           <a:p>
@@ -4655,7 +4730,7 @@
           <a:p>
             <a:r>
               <a:rPr lang="en-US" dirty="0"/>
-              <a:t>Protocol extensions needed for communicating client information between OTN PE nodes and the controller</a:t>
+              <a:t>Protocol extensions needed for communicating client information between OTN PE nodes and from OTN nodes to the controller</a:t>
             </a:r>
           </a:p>
           <a:p>
@@ -4943,7 +5018,7 @@
         </p:spPr>
         <p:txBody>
           <a:bodyPr>
-            <a:normAutofit fontScale="92500" lnSpcReduction="10000"/>
+            <a:normAutofit fontScale="92500" lnSpcReduction="20000"/>
           </a:bodyPr>
           <a:lstStyle/>
           <a:p>
@@ -4970,7 +5045,7 @@
             <a:pPr lvl="1"/>
             <a:r>
               <a:rPr lang="en-US" dirty="0"/>
-              <a:t>Client IP/MAC address</a:t>
+              <a:t>Service information such as the client IP/MAC addresses</a:t>
             </a:r>
           </a:p>
           <a:p>
